--- a/jobs/arch8-liuxinguo-lesson9-618QiangGou.pptx
+++ b/jobs/arch8-liuxinguo-lesson9-618QiangGou.pptx
@@ -5525,9 +5525,16 @@
             <p:ph type="title"/>
           </p:nvPr>
         </p:nvSpPr>
-        <p:spPr/>
-        <p:txBody>
-          <a:bodyPr/>
+        <p:spPr>
+          <a:xfrm>
+            <a:off x="608330" y="608330"/>
+            <a:ext cx="10968990" cy="431800"/>
+          </a:xfrm>
+        </p:spPr>
+        <p:txBody>
+          <a:bodyPr>
+            <a:normAutofit fontScale="90000"/>
+          </a:bodyPr>
           <a:p>
             <a:r>
               <a:rPr lang="zh-CN" altLang="en-US"/>
@@ -9081,10 +9088,10 @@
         </p:nvGrpSpPr>
         <p:grpSpPr>
           <a:xfrm>
-            <a:off x="1555750" y="2258060"/>
-            <a:ext cx="8712200" cy="556260"/>
-            <a:chOff x="1779" y="3556"/>
-            <a:chExt cx="13720" cy="876"/>
+            <a:off x="1576070" y="2233295"/>
+            <a:ext cx="8557895" cy="556895"/>
+            <a:chOff x="3765" y="3556"/>
+            <a:chExt cx="11734" cy="877"/>
           </a:xfrm>
           <a:effectLst>
             <a:outerShdw blurRad="50800" dist="50800" dir="5400000" algn="ctr" rotWithShape="0">
@@ -9304,49 +9311,6 @@
               <a:r>
                 <a:rPr lang="zh-CN" altLang="en-US" sz="1000"/>
                 <a:t>物流服务</a:t>
-              </a:r>
-              <a:endParaRPr lang="zh-CN" altLang="en-US" sz="1000"/>
-            </a:p>
-          </p:txBody>
-        </p:sp>
-        <p:sp>
-          <p:nvSpPr>
-            <p:cNvPr id="9" name="矩形 8"/>
-            <p:cNvSpPr/>
-            <p:nvPr/>
-          </p:nvSpPr>
-          <p:spPr>
-            <a:xfrm>
-              <a:off x="1779" y="3556"/>
-              <a:ext cx="1218" cy="877"/>
-            </a:xfrm>
-            <a:prstGeom prst="rect">
-              <a:avLst/>
-            </a:prstGeom>
-          </p:spPr>
-          <p:style>
-            <a:lnRef idx="2">
-              <a:schemeClr val="accent1">
-                <a:shade val="50000"/>
-              </a:schemeClr>
-            </a:lnRef>
-            <a:fillRef idx="1">
-              <a:schemeClr val="accent1"/>
-            </a:fillRef>
-            <a:effectRef idx="0">
-              <a:schemeClr val="accent1"/>
-            </a:effectRef>
-            <a:fontRef idx="minor">
-              <a:schemeClr val="lt1"/>
-            </a:fontRef>
-          </p:style>
-          <p:txBody>
-            <a:bodyPr rtlCol="0" anchor="ctr"/>
-            <a:p>
-              <a:pPr algn="ctr"/>
-              <a:r>
-                <a:rPr lang="zh-CN" altLang="en-US" sz="1000"/>
-                <a:t>抢购服务</a:t>
               </a:r>
               <a:endParaRPr lang="zh-CN" altLang="en-US" sz="1000"/>
             </a:p>

--- a/jobs/arch8-liuxinguo-lesson9-618QiangGou.pptx
+++ b/jobs/arch8-liuxinguo-lesson9-618QiangGou.pptx
@@ -3942,7 +3942,7 @@
         <p:spPr>
           <a:xfrm>
             <a:off x="3667760" y="2566035"/>
-            <a:ext cx="1389380" cy="368300"/>
+            <a:ext cx="640080" cy="368300"/>
           </a:xfrm>
           <a:prstGeom prst="rect">
             <a:avLst/>
@@ -3956,11 +3956,7 @@
           <a:p>
             <a:r>
               <a:rPr lang="en-US" altLang="zh-CN"/>
-              <a:t>APP/</a:t>
-            </a:r>
-            <a:r>
-              <a:rPr lang="zh-CN" altLang="en-US"/>
-              <a:t>小程序</a:t>
+              <a:t>APP</a:t>
             </a:r>
             <a:endParaRPr lang="zh-CN" altLang="en-US"/>
           </a:p>
@@ -4004,7 +4000,7 @@
         <p:spPr>
           <a:xfrm>
             <a:off x="10030460" y="2520950"/>
-            <a:ext cx="1389380" cy="368300"/>
+            <a:ext cx="640080" cy="368300"/>
           </a:xfrm>
           <a:prstGeom prst="rect">
             <a:avLst/>
@@ -4018,11 +4014,7 @@
           <a:p>
             <a:r>
               <a:rPr lang="en-US" altLang="zh-CN"/>
-              <a:t>APP/</a:t>
-            </a:r>
-            <a:r>
-              <a:rPr lang="zh-CN" altLang="en-US"/>
-              <a:t>小程序</a:t>
+              <a:t>APP</a:t>
             </a:r>
             <a:endParaRPr lang="zh-CN" altLang="en-US"/>
           </a:p>
@@ -4250,7 +4242,7 @@
             </a:r>
             <a:r>
               <a:rPr lang="zh-CN" altLang="en-US"/>
-              <a:t>用户注册，</a:t>
+              <a:t>用户注册，平均</a:t>
             </a:r>
             <a:r>
               <a:rPr lang="en-US" altLang="zh-CN"/>
@@ -4269,7 +4261,7 @@
           <a:p>
             <a:r>
               <a:rPr lang="en-US" altLang="zh-CN"/>
-              <a:t>40W</a:t>
+              <a:t>120</a:t>
             </a:r>
             <a:r>
               <a:rPr lang="zh-CN" altLang="en-US"/>
@@ -4407,7 +4399,11 @@
             </a:r>
             <a:r>
               <a:rPr lang="en-US" altLang="zh-CN"/>
-              <a:t>60W</a:t>
+              <a:t>120</a:t>
+            </a:r>
+            <a:r>
+              <a:rPr lang="en-US" altLang="zh-CN"/>
+              <a:t>W</a:t>
             </a:r>
             <a:r>
               <a:rPr lang="zh-CN" altLang="en-US"/>
@@ -4493,11 +4489,7 @@
             </a:r>
             <a:r>
               <a:rPr lang="en-US" altLang="zh-CN"/>
-              <a:t>63</a:t>
-            </a:r>
-            <a:r>
-              <a:rPr lang="en-US" altLang="zh-CN"/>
-              <a:t>00W</a:t>
+              <a:t>6800W</a:t>
             </a:r>
             <a:endParaRPr lang="zh-CN" altLang="en-US"/>
           </a:p>
@@ -5527,7 +5519,7 @@
         </p:nvSpPr>
         <p:spPr>
           <a:xfrm>
-            <a:off x="608330" y="608330"/>
+            <a:off x="608330" y="629285"/>
             <a:ext cx="10968990" cy="431800"/>
           </a:xfrm>
         </p:spPr>
@@ -5550,13 +5542,11 @@
       </p:sp>
       <p:pic>
         <p:nvPicPr>
-          <p:cNvPr id="4" name="内容占位符 3" descr="Web服务器"/>
+          <p:cNvPr id="6" name="内容占位符 3" descr="Web服务器"/>
           <p:cNvPicPr>
             <a:picLocks noChangeAspect="1"/>
           </p:cNvPicPr>
-          <p:nvPr>
-            <p:ph idx="1"/>
-          </p:nvPr>
+          <p:nvPr/>
         </p:nvPicPr>
         <p:blipFill>
           <a:blip r:embed="rId1"/>
@@ -5566,8 +5556,8 @@
         </p:blipFill>
         <p:spPr>
           <a:xfrm>
-            <a:off x="4122420" y="1212850"/>
-            <a:ext cx="603885" cy="744220"/>
+            <a:off x="5135245" y="1233805"/>
+            <a:ext cx="597535" cy="744220"/>
           </a:xfrm>
           <a:prstGeom prst="rect">
             <a:avLst/>
@@ -5582,72 +5572,13 @@
       </p:pic>
       <p:sp>
         <p:nvSpPr>
-          <p:cNvPr id="5" name="文本框 4"/>
-          <p:cNvSpPr txBox="1"/>
-          <p:nvPr/>
-        </p:nvSpPr>
-        <p:spPr>
-          <a:xfrm>
-            <a:off x="4187190" y="945515"/>
-            <a:ext cx="716280" cy="306705"/>
-          </a:xfrm>
-          <a:prstGeom prst="rect">
-            <a:avLst/>
-          </a:prstGeom>
-          <a:noFill/>
-        </p:spPr>
-        <p:txBody>
-          <a:bodyPr wrap="none" rtlCol="0">
-            <a:spAutoFit/>
-          </a:bodyPr>
-          <a:p>
-            <a:r>
-              <a:rPr lang="zh-CN" altLang="en-US" sz="1400"/>
-              <a:t>小程序</a:t>
-            </a:r>
-            <a:endParaRPr lang="zh-CN" altLang="en-US" sz="1400"/>
-          </a:p>
-        </p:txBody>
-      </p:sp>
-      <p:pic>
-        <p:nvPicPr>
-          <p:cNvPr id="6" name="内容占位符 3" descr="Web服务器"/>
-          <p:cNvPicPr>
-            <a:picLocks noChangeAspect="1"/>
-          </p:cNvPicPr>
-          <p:nvPr/>
-        </p:nvPicPr>
-        <p:blipFill>
-          <a:blip r:embed="rId1"/>
-          <a:stretch>
-            <a:fillRect/>
-          </a:stretch>
-        </p:blipFill>
-        <p:spPr>
-          <a:xfrm>
-            <a:off x="6045835" y="1212850"/>
-            <a:ext cx="597535" cy="744220"/>
-          </a:xfrm>
-          <a:prstGeom prst="rect">
-            <a:avLst/>
-          </a:prstGeom>
-          <a:solidFill>
-            <a:schemeClr val="tx1">
-              <a:lumMod val="50000"/>
-              <a:lumOff val="50000"/>
-            </a:schemeClr>
-          </a:solidFill>
-        </p:spPr>
-      </p:pic>
-      <p:sp>
-        <p:nvSpPr>
           <p:cNvPr id="7" name="文本框 6"/>
           <p:cNvSpPr txBox="1"/>
           <p:nvPr/>
         </p:nvSpPr>
         <p:spPr>
           <a:xfrm>
-            <a:off x="6045835" y="945515"/>
+            <a:off x="5194300" y="924560"/>
             <a:ext cx="480060" cy="306705"/>
           </a:xfrm>
           <a:prstGeom prst="rect">
@@ -6119,44 +6050,6 @@
       </p:sp>
       <p:cxnSp>
         <p:nvCxnSpPr>
-          <p:cNvPr id="26" name="肘形连接符 25"/>
-          <p:cNvCxnSpPr>
-            <a:stCxn id="4" idx="2"/>
-            <a:endCxn id="25" idx="0"/>
-          </p:cNvCxnSpPr>
-          <p:nvPr/>
-        </p:nvCxnSpPr>
-        <p:spPr>
-          <a:xfrm rot="5400000" flipV="1">
-            <a:off x="4542155" y="1838960"/>
-            <a:ext cx="775335" cy="1010285"/>
-          </a:xfrm>
-          <a:prstGeom prst="bentConnector3">
-            <a:avLst>
-              <a:gd name="adj1" fmla="val 50041"/>
-            </a:avLst>
-          </a:prstGeom>
-          <a:ln>
-            <a:tailEnd type="arrow"/>
-          </a:ln>
-        </p:spPr>
-        <p:style>
-          <a:lnRef idx="1">
-            <a:schemeClr val="accent1"/>
-          </a:lnRef>
-          <a:fillRef idx="0">
-            <a:schemeClr val="accent1"/>
-          </a:fillRef>
-          <a:effectRef idx="0">
-            <a:schemeClr val="accent1"/>
-          </a:effectRef>
-          <a:fontRef idx="minor">
-            <a:schemeClr val="tx1"/>
-          </a:fontRef>
-        </p:style>
-      </p:cxnSp>
-      <p:cxnSp>
-        <p:nvCxnSpPr>
           <p:cNvPr id="27" name="肘形连接符 26"/>
           <p:cNvCxnSpPr>
             <a:stCxn id="6" idx="2"/>
@@ -6165,13 +6058,13 @@
           <p:nvPr/>
         </p:nvCxnSpPr>
         <p:spPr>
-          <a:xfrm rot="5400000">
-            <a:off x="5502275" y="1889125"/>
-            <a:ext cx="775335" cy="909955"/>
+          <a:xfrm rot="5400000" flipV="1">
+            <a:off x="5057458" y="2354898"/>
+            <a:ext cx="754380" cy="635"/>
           </a:xfrm>
           <a:prstGeom prst="bentConnector3">
             <a:avLst>
-              <a:gd name="adj1" fmla="val 50041"/>
+              <a:gd name="adj1" fmla="val 49958"/>
             </a:avLst>
           </a:prstGeom>
           <a:ln>
@@ -6203,9 +6096,9 @@
           <p:nvPr/>
         </p:nvCxnSpPr>
         <p:spPr>
-          <a:xfrm>
-            <a:off x="6643370" y="1584960"/>
-            <a:ext cx="2239010" cy="635"/>
+          <a:xfrm flipV="1">
+            <a:off x="5732780" y="1585595"/>
+            <a:ext cx="3149600" cy="20320"/>
           </a:xfrm>
           <a:prstGeom prst="straightConnector1">
             <a:avLst/>
@@ -6303,6 +6196,22 @@
               <a:rPr lang="zh-CN" altLang="en-US"/>
               <a:t>集群</a:t>
             </a:r>
+            <a:endParaRPr lang="zh-CN" altLang="en-US"/>
+          </a:p>
+        </p:txBody>
+      </p:sp>
+      <p:sp>
+        <p:nvSpPr>
+          <p:cNvPr id="3" name="内容占位符 2"/>
+          <p:cNvSpPr/>
+          <p:nvPr>
+            <p:ph idx="1"/>
+          </p:nvPr>
+        </p:nvSpPr>
+        <p:spPr/>
+        <p:txBody>
+          <a:bodyPr/>
+          <a:p>
             <a:endParaRPr lang="zh-CN" altLang="en-US"/>
           </a:p>
         </p:txBody>
@@ -6370,7 +6279,7 @@
       </p:sp>
       <p:pic>
         <p:nvPicPr>
-          <p:cNvPr id="5" name="内容占位符 3" descr="Web服务器"/>
+          <p:cNvPr id="8" name="内容占位符 3" descr="Web服务器"/>
           <p:cNvPicPr>
             <a:picLocks noChangeAspect="1"/>
           </p:cNvPicPr>
@@ -6384,8 +6293,8 @@
         </p:blipFill>
         <p:spPr>
           <a:xfrm>
-            <a:off x="1756410" y="1915160"/>
-            <a:ext cx="388620" cy="478790"/>
+            <a:off x="2637155" y="1913890"/>
+            <a:ext cx="384810" cy="479425"/>
           </a:xfrm>
           <a:prstGeom prst="rect">
             <a:avLst/>
@@ -6400,72 +6309,13 @@
       </p:pic>
       <p:sp>
         <p:nvSpPr>
-          <p:cNvPr id="7" name="文本框 6"/>
-          <p:cNvSpPr txBox="1"/>
-          <p:nvPr/>
-        </p:nvSpPr>
-        <p:spPr>
-          <a:xfrm>
-            <a:off x="1687830" y="1670050"/>
-            <a:ext cx="615950" cy="245110"/>
-          </a:xfrm>
-          <a:prstGeom prst="rect">
-            <a:avLst/>
-          </a:prstGeom>
-          <a:noFill/>
-        </p:spPr>
-        <p:txBody>
-          <a:bodyPr wrap="square" rtlCol="0">
-            <a:spAutoFit/>
-          </a:bodyPr>
-          <a:p>
-            <a:r>
-              <a:rPr lang="zh-CN" altLang="en-US" sz="1000"/>
-              <a:t>小程序</a:t>
-            </a:r>
-            <a:endParaRPr lang="zh-CN" altLang="en-US" sz="1000"/>
-          </a:p>
-        </p:txBody>
-      </p:sp>
-      <p:pic>
-        <p:nvPicPr>
-          <p:cNvPr id="8" name="内容占位符 3" descr="Web服务器"/>
-          <p:cNvPicPr>
-            <a:picLocks noChangeAspect="1"/>
-          </p:cNvPicPr>
-          <p:nvPr/>
-        </p:nvPicPr>
-        <p:blipFill>
-          <a:blip r:embed="rId1"/>
-          <a:stretch>
-            <a:fillRect/>
-          </a:stretch>
-        </p:blipFill>
-        <p:spPr>
-          <a:xfrm>
-            <a:off x="3796665" y="1918335"/>
-            <a:ext cx="384810" cy="479425"/>
-          </a:xfrm>
-          <a:prstGeom prst="rect">
-            <a:avLst/>
-          </a:prstGeom>
-          <a:solidFill>
-            <a:schemeClr val="tx1">
-              <a:lumMod val="50000"/>
-              <a:lumOff val="50000"/>
-            </a:schemeClr>
-          </a:solidFill>
-        </p:spPr>
-      </p:pic>
-      <p:sp>
-        <p:nvSpPr>
           <p:cNvPr id="9" name="文本框 8"/>
           <p:cNvSpPr txBox="1"/>
           <p:nvPr/>
         </p:nvSpPr>
         <p:spPr>
           <a:xfrm>
-            <a:off x="3762375" y="1673225"/>
+            <a:off x="2602230" y="1609725"/>
             <a:ext cx="454025" cy="245110"/>
           </a:xfrm>
           <a:prstGeom prst="rect">
@@ -6903,44 +6753,6 @@
       </p:sp>
       <p:cxnSp>
         <p:nvCxnSpPr>
-          <p:cNvPr id="46" name="肘形连接符 45"/>
-          <p:cNvCxnSpPr>
-            <a:stCxn id="5" idx="2"/>
-            <a:endCxn id="45" idx="0"/>
-          </p:cNvCxnSpPr>
-          <p:nvPr/>
-        </p:nvCxnSpPr>
-        <p:spPr>
-          <a:xfrm rot="5400000" flipV="1">
-            <a:off x="1865948" y="2478723"/>
-            <a:ext cx="1048385" cy="878840"/>
-          </a:xfrm>
-          <a:prstGeom prst="bentConnector3">
-            <a:avLst>
-              <a:gd name="adj1" fmla="val 50000"/>
-            </a:avLst>
-          </a:prstGeom>
-          <a:ln>
-            <a:tailEnd type="arrow"/>
-          </a:ln>
-        </p:spPr>
-        <p:style>
-          <a:lnRef idx="1">
-            <a:schemeClr val="accent1"/>
-          </a:lnRef>
-          <a:fillRef idx="0">
-            <a:schemeClr val="accent1"/>
-          </a:fillRef>
-          <a:effectRef idx="0">
-            <a:schemeClr val="accent1"/>
-          </a:effectRef>
-          <a:fontRef idx="minor">
-            <a:schemeClr val="tx1"/>
-          </a:fontRef>
-        </p:style>
-      </p:cxnSp>
-      <p:cxnSp>
-        <p:nvCxnSpPr>
           <p:cNvPr id="47" name="肘形连接符 46"/>
           <p:cNvCxnSpPr>
             <a:stCxn id="8" idx="2"/>
@@ -6949,14 +6761,12 @@
           <p:nvPr/>
         </p:nvCxnSpPr>
         <p:spPr>
-          <a:xfrm rot="5400000">
-            <a:off x="2887028" y="2340293"/>
-            <a:ext cx="1044575" cy="1159510"/>
-          </a:xfrm>
-          <a:prstGeom prst="bentConnector3">
-            <a:avLst>
-              <a:gd name="adj1" fmla="val 50000"/>
-            </a:avLst>
+          <a:xfrm rot="5400000" flipV="1">
+            <a:off x="2305050" y="2917825"/>
+            <a:ext cx="1049020" cy="3175"/>
+          </a:xfrm>
+          <a:prstGeom prst="bentConnector2">
+            <a:avLst/>
           </a:prstGeom>
           <a:ln>
             <a:tailEnd type="arrow"/>
@@ -6987,9 +6797,9 @@
           <p:nvPr/>
         </p:nvCxnSpPr>
         <p:spPr>
-          <a:xfrm flipV="1">
-            <a:off x="4181475" y="2153920"/>
-            <a:ext cx="817880" cy="4445"/>
+          <a:xfrm>
+            <a:off x="3021965" y="2153920"/>
+            <a:ext cx="1977390" cy="0"/>
           </a:xfrm>
           <a:prstGeom prst="straightConnector1">
             <a:avLst/>
